--- a/Esportes.pptx
+++ b/Esportes.pptx
@@ -1034,6 +1034,148 @@
       </pc:sldMasterChg>
     </pc:docChg>
   </pc:docChgLst>
+  <pc:docChgLst>
+    <pc:chgData name="Gabriel Lima da Silva" userId="edf880e0abf61f35" providerId="LiveId" clId="{3658130A-3C49-4F0B-B7A9-84BEE80099FF}"/>
+    <pc:docChg chg="undo custSel modSld">
+      <pc:chgData name="Gabriel Lima da Silva" userId="edf880e0abf61f35" providerId="LiveId" clId="{3658130A-3C49-4F0B-B7A9-84BEE80099FF}" dt="2021-12-02T11:53:16.973" v="93" actId="113"/>
+      <pc:docMkLst>
+        <pc:docMk/>
+      </pc:docMkLst>
+      <pc:sldChg chg="addSp delSp modSp mod">
+        <pc:chgData name="Gabriel Lima da Silva" userId="edf880e0abf61f35" providerId="LiveId" clId="{3658130A-3C49-4F0B-B7A9-84BEE80099FF}" dt="2021-12-02T11:48:42.199" v="88" actId="1076"/>
+        <pc:sldMkLst>
+          <pc:docMk/>
+          <pc:sldMk cId="1892571356" sldId="273"/>
+        </pc:sldMkLst>
+        <pc:spChg chg="del mod">
+          <ac:chgData name="Gabriel Lima da Silva" userId="edf880e0abf61f35" providerId="LiveId" clId="{3658130A-3C49-4F0B-B7A9-84BEE80099FF}" dt="2021-12-02T11:47:49.292" v="69" actId="478"/>
+          <ac:spMkLst>
+            <pc:docMk/>
+            <pc:sldMk cId="1892571356" sldId="273"/>
+            <ac:spMk id="13" creationId="{90DE7C85-B995-42C4-8EE1-6D15C33D6F83}"/>
+          </ac:spMkLst>
+        </pc:spChg>
+        <pc:spChg chg="del mod">
+          <ac:chgData name="Gabriel Lima da Silva" userId="edf880e0abf61f35" providerId="LiveId" clId="{3658130A-3C49-4F0B-B7A9-84BEE80099FF}" dt="2021-12-02T11:47:59.434" v="72" actId="478"/>
+          <ac:spMkLst>
+            <pc:docMk/>
+            <pc:sldMk cId="1892571356" sldId="273"/>
+            <ac:spMk id="15" creationId="{4442B85F-BBF6-4FE8-8A0C-09938B31CAEE}"/>
+          </ac:spMkLst>
+        </pc:spChg>
+        <pc:spChg chg="add del mod">
+          <ac:chgData name="Gabriel Lima da Silva" userId="edf880e0abf61f35" providerId="LiveId" clId="{3658130A-3C49-4F0B-B7A9-84BEE80099FF}" dt="2021-12-02T11:44:26.052" v="49" actId="478"/>
+          <ac:spMkLst>
+            <pc:docMk/>
+            <pc:sldMk cId="1892571356" sldId="273"/>
+            <ac:spMk id="22" creationId="{F54855C0-E2A6-46C2-88B5-02AF97F04ACB}"/>
+          </ac:spMkLst>
+        </pc:spChg>
+        <pc:spChg chg="add mod">
+          <ac:chgData name="Gabriel Lima da Silva" userId="edf880e0abf61f35" providerId="LiveId" clId="{3658130A-3C49-4F0B-B7A9-84BEE80099FF}" dt="2021-12-02T11:44:48.080" v="55" actId="1076"/>
+          <ac:spMkLst>
+            <pc:docMk/>
+            <pc:sldMk cId="1892571356" sldId="273"/>
+            <ac:spMk id="27" creationId="{8EB5668B-36DE-455A-8E1C-9BE0798B01A0}"/>
+          </ac:spMkLst>
+        </pc:spChg>
+        <pc:spChg chg="add mod">
+          <ac:chgData name="Gabriel Lima da Silva" userId="edf880e0abf61f35" providerId="LiveId" clId="{3658130A-3C49-4F0B-B7A9-84BEE80099FF}" dt="2021-12-02T11:44:53.909" v="57" actId="14100"/>
+          <ac:spMkLst>
+            <pc:docMk/>
+            <pc:sldMk cId="1892571356" sldId="273"/>
+            <ac:spMk id="28" creationId="{3071668A-D88E-4742-A8D5-F9D3332C1FFA}"/>
+          </ac:spMkLst>
+        </pc:spChg>
+        <pc:spChg chg="add mod">
+          <ac:chgData name="Gabriel Lima da Silva" userId="edf880e0abf61f35" providerId="LiveId" clId="{3658130A-3C49-4F0B-B7A9-84BEE80099FF}" dt="2021-12-02T11:48:02.117" v="73" actId="1076"/>
+          <ac:spMkLst>
+            <pc:docMk/>
+            <pc:sldMk cId="1892571356" sldId="273"/>
+            <ac:spMk id="29" creationId="{30DD66DF-FF8D-4993-B999-601338AEC71C}"/>
+          </ac:spMkLst>
+        </pc:spChg>
+        <pc:spChg chg="add mod">
+          <ac:chgData name="Gabriel Lima da Silva" userId="edf880e0abf61f35" providerId="LiveId" clId="{3658130A-3C49-4F0B-B7A9-84BEE80099FF}" dt="2021-12-02T11:47:56.766" v="71"/>
+          <ac:spMkLst>
+            <pc:docMk/>
+            <pc:sldMk cId="1892571356" sldId="273"/>
+            <ac:spMk id="30" creationId="{A35874B6-157C-40BE-AF6F-BACA88286DFC}"/>
+          </ac:spMkLst>
+        </pc:spChg>
+        <pc:picChg chg="del mod">
+          <ac:chgData name="Gabriel Lima da Silva" userId="edf880e0abf61f35" providerId="LiveId" clId="{3658130A-3C49-4F0B-B7A9-84BEE80099FF}" dt="2021-12-02T11:43:19.374" v="26" actId="478"/>
+          <ac:picMkLst>
+            <pc:docMk/>
+            <pc:sldMk cId="1892571356" sldId="273"/>
+            <ac:picMk id="4" creationId="{2F6630DC-50D9-4626-BBF1-86C8263E4404}"/>
+          </ac:picMkLst>
+        </pc:picChg>
+        <pc:picChg chg="add del mod">
+          <ac:chgData name="Gabriel Lima da Silva" userId="edf880e0abf61f35" providerId="LiveId" clId="{3658130A-3C49-4F0B-B7A9-84BEE80099FF}" dt="2021-12-02T11:48:08.687" v="77" actId="478"/>
+          <ac:picMkLst>
+            <pc:docMk/>
+            <pc:sldMk cId="1892571356" sldId="273"/>
+            <ac:picMk id="12" creationId="{E3F37EB8-96B2-4CFC-92EA-6BCFB0AA17FA}"/>
+          </ac:picMkLst>
+        </pc:picChg>
+        <pc:picChg chg="add mod">
+          <ac:chgData name="Gabriel Lima da Silva" userId="edf880e0abf61f35" providerId="LiveId" clId="{3658130A-3C49-4F0B-B7A9-84BEE80099FF}" dt="2021-12-02T11:48:42.199" v="88" actId="1076"/>
+          <ac:picMkLst>
+            <pc:docMk/>
+            <pc:sldMk cId="1892571356" sldId="273"/>
+            <ac:picMk id="16" creationId="{4235208D-20CB-4BCB-96AE-11509B3EFD50}"/>
+          </ac:picMkLst>
+        </pc:picChg>
+        <pc:picChg chg="add mod">
+          <ac:chgData name="Gabriel Lima da Silva" userId="edf880e0abf61f35" providerId="LiveId" clId="{3658130A-3C49-4F0B-B7A9-84BEE80099FF}" dt="2021-12-02T11:48:07.480" v="76" actId="1076"/>
+          <ac:picMkLst>
+            <pc:docMk/>
+            <pc:sldMk cId="1892571356" sldId="273"/>
+            <ac:picMk id="31" creationId="{64C7E816-EF7C-471C-AE48-2BC46885B21C}"/>
+          </ac:picMkLst>
+        </pc:picChg>
+        <pc:cxnChg chg="mod">
+          <ac:chgData name="Gabriel Lima da Silva" userId="edf880e0abf61f35" providerId="LiveId" clId="{3658130A-3C49-4F0B-B7A9-84BEE80099FF}" dt="2021-12-02T11:43:41.499" v="33" actId="1076"/>
+          <ac:cxnSpMkLst>
+            <pc:docMk/>
+            <pc:sldMk cId="1892571356" sldId="273"/>
+            <ac:cxnSpMk id="17" creationId="{CBF68911-9BF2-4D34-8D80-F5FCFB223B5C}"/>
+          </ac:cxnSpMkLst>
+        </pc:cxnChg>
+      </pc:sldChg>
+      <pc:sldChg chg="modSp mod">
+        <pc:chgData name="Gabriel Lima da Silva" userId="edf880e0abf61f35" providerId="LiveId" clId="{3658130A-3C49-4F0B-B7A9-84BEE80099FF}" dt="2021-12-02T11:53:16.973" v="93" actId="113"/>
+        <pc:sldMkLst>
+          <pc:docMk/>
+          <pc:sldMk cId="231336675" sldId="277"/>
+        </pc:sldMkLst>
+        <pc:spChg chg="mod">
+          <ac:chgData name="Gabriel Lima da Silva" userId="edf880e0abf61f35" providerId="LiveId" clId="{3658130A-3C49-4F0B-B7A9-84BEE80099FF}" dt="2021-12-02T11:53:16.973" v="93" actId="113"/>
+          <ac:spMkLst>
+            <pc:docMk/>
+            <pc:sldMk cId="231336675" sldId="277"/>
+            <ac:spMk id="23" creationId="{0C651050-F0EC-4DC6-9213-FE304F06EB9B}"/>
+          </ac:spMkLst>
+        </pc:spChg>
+      </pc:sldChg>
+      <pc:sldChg chg="modSp mod">
+        <pc:chgData name="Gabriel Lima da Silva" userId="edf880e0abf61f35" providerId="LiveId" clId="{3658130A-3C49-4F0B-B7A9-84BEE80099FF}" dt="2021-12-02T11:53:02.667" v="92" actId="20577"/>
+        <pc:sldMkLst>
+          <pc:docMk/>
+          <pc:sldMk cId="718113124" sldId="279"/>
+        </pc:sldMkLst>
+        <pc:spChg chg="mod">
+          <ac:chgData name="Gabriel Lima da Silva" userId="edf880e0abf61f35" providerId="LiveId" clId="{3658130A-3C49-4F0B-B7A9-84BEE80099FF}" dt="2021-12-02T11:53:02.667" v="92" actId="20577"/>
+          <ac:spMkLst>
+            <pc:docMk/>
+            <pc:sldMk cId="718113124" sldId="279"/>
+            <ac:spMk id="23" creationId="{0C651050-F0EC-4DC6-9213-FE304F06EB9B}"/>
+          </ac:spMkLst>
+        </pc:spChg>
+      </pc:sldChg>
+    </pc:docChg>
+  </pc:docChgLst>
 </pc:chgInfo>
 </file>
 
@@ -1121,7 +1263,7 @@
             <a:pPr rtl="0"/>
             <a:fld id="{F5A84665-28CF-4737-92F4-1C720A21C271}" type="datetime1">
               <a:rPr lang="pt-BR" smtClean="0"/>
-              <a:t>30/11/2021</a:t>
+              <a:t>02/12/2021</a:t>
             </a:fld>
             <a:endParaRPr lang="pt-BR" dirty="0"/>
           </a:p>
@@ -1291,7 +1433,7 @@
             <a:pPr rtl="0"/>
             <a:fld id="{8F9645D9-8D82-4420-B4D8-436117D73973}" type="datetime1">
               <a:rPr lang="pt-BR" smtClean="0"/>
-              <a:t>30/11/2021</a:t>
+              <a:t>02/12/2021</a:t>
             </a:fld>
             <a:endParaRPr lang="pt-BR" dirty="0"/>
           </a:p>
@@ -1863,7 +2005,7 @@
             <a:pPr rtl="0"/>
             <a:fld id="{7E0F57D7-50EA-4158-A107-1AD172E97136}" type="datetime1">
               <a:rPr lang="pt-BR" smtClean="0"/>
-              <a:t>30/11/2021</a:t>
+              <a:t>02/12/2021</a:t>
             </a:fld>
             <a:endParaRPr lang="pt-BR" dirty="0"/>
           </a:p>
@@ -2062,7 +2204,7 @@
             <a:pPr rtl="0"/>
             <a:fld id="{FAB440D6-E3D4-45F1-B082-4246B857CCB7}" type="datetime1">
               <a:rPr lang="pt-BR" smtClean="0"/>
-              <a:t>30/11/2021</a:t>
+              <a:t>02/12/2021</a:t>
             </a:fld>
             <a:endParaRPr lang="pt-BR" dirty="0"/>
           </a:p>
@@ -2251,7 +2393,7 @@
             <a:pPr rtl="0"/>
             <a:fld id="{EE0FFCE3-B3EC-461C-BAB8-FDC42F07F7BC}" type="datetime1">
               <a:rPr lang="pt-BR" smtClean="0"/>
-              <a:t>30/11/2021</a:t>
+              <a:t>02/12/2021</a:t>
             </a:fld>
             <a:endParaRPr lang="pt-BR" dirty="0"/>
           </a:p>
@@ -2521,7 +2663,7 @@
             <a:pPr rtl="0"/>
             <a:fld id="{8F751D3C-E711-4A47-BF11-1C265FD86D83}" type="datetime1">
               <a:rPr lang="pt-BR" smtClean="0"/>
-              <a:t>30/11/2021</a:t>
+              <a:t>02/12/2021</a:t>
             </a:fld>
             <a:endParaRPr lang="pt-BR" dirty="0"/>
           </a:p>
@@ -2772,7 +2914,7 @@
             <a:pPr rtl="0"/>
             <a:fld id="{7B849C40-BDF1-4959-B31C-705146101C45}" type="datetime1">
               <a:rPr lang="pt-BR" smtClean="0"/>
-              <a:t>30/11/2021</a:t>
+              <a:t>02/12/2021</a:t>
             </a:fld>
             <a:endParaRPr lang="pt-BR" dirty="0"/>
           </a:p>
@@ -3167,7 +3309,7 @@
             <a:pPr rtl="0"/>
             <a:fld id="{E1BD069E-27D6-4A7B-868B-E05C574D2295}" type="datetime1">
               <a:rPr lang="pt-BR" smtClean="0"/>
-              <a:t>30/11/2021</a:t>
+              <a:t>02/12/2021</a:t>
             </a:fld>
             <a:endParaRPr lang="pt-BR" dirty="0"/>
           </a:p>
@@ -3304,7 +3446,7 @@
             <a:pPr rtl="0"/>
             <a:fld id="{4A60D2FD-F6FE-4E65-94A9-DEACDE0051A0}" type="datetime1">
               <a:rPr lang="pt-BR" smtClean="0"/>
-              <a:t>30/11/2021</a:t>
+              <a:t>02/12/2021</a:t>
             </a:fld>
             <a:endParaRPr lang="pt-BR" dirty="0"/>
           </a:p>
@@ -3417,7 +3559,7 @@
             <a:pPr rtl="0"/>
             <a:fld id="{17343BC3-A278-4831-B1AE-6A1A61D1EBA7}" type="datetime1">
               <a:rPr lang="pt-BR" smtClean="0"/>
-              <a:t>30/11/2021</a:t>
+              <a:t>02/12/2021</a:t>
             </a:fld>
             <a:endParaRPr lang="pt-BR" dirty="0"/>
           </a:p>
@@ -4222,7 +4364,7 @@
             <a:pPr rtl="0"/>
             <a:fld id="{4273717A-F23B-4A0E-A4C1-3E8299975298}" type="datetime1">
               <a:rPr lang="pt-BR" smtClean="0"/>
-              <a:t>30/11/2021</a:t>
+              <a:t>02/12/2021</a:t>
             </a:fld>
             <a:endParaRPr lang="pt-BR" dirty="0"/>
           </a:p>
@@ -5578,113 +5720,6 @@
           </a:p>
         </p:txBody>
       </p:sp>
-      <p:sp>
-        <p:nvSpPr>
-          <p:cNvPr id="13" name="Hexágono 12">
-            <a:extLst>
-              <a:ext uri="{FF2B5EF4-FFF2-40B4-BE49-F238E27FC236}">
-                <a16:creationId xmlns:a16="http://schemas.microsoft.com/office/drawing/2014/main" id="{90DE7C85-B995-42C4-8EE1-6D15C33D6F83}"/>
-              </a:ext>
-            </a:extLst>
-          </p:cNvPr>
-          <p:cNvSpPr/>
-          <p:nvPr/>
-        </p:nvSpPr>
-        <p:spPr>
-          <a:xfrm>
-            <a:off x="713096" y="1882823"/>
-            <a:ext cx="4176464" cy="3600000"/>
-          </a:xfrm>
-          <a:prstGeom prst="hexagon">
-            <a:avLst/>
-          </a:prstGeom>
-          <a:solidFill>
-            <a:schemeClr val="accent4">
-              <a:lumMod val="10000"/>
-              <a:lumOff val="90000"/>
-            </a:schemeClr>
-          </a:solidFill>
-          <a:ln>
-            <a:noFill/>
-          </a:ln>
-        </p:spPr>
-        <p:style>
-          <a:lnRef idx="2">
-            <a:schemeClr val="accent1">
-              <a:shade val="50000"/>
-            </a:schemeClr>
-          </a:lnRef>
-          <a:fillRef idx="1">
-            <a:schemeClr val="accent1"/>
-          </a:fillRef>
-          <a:effectRef idx="0">
-            <a:schemeClr val="accent1"/>
-          </a:effectRef>
-          <a:fontRef idx="minor">
-            <a:schemeClr val="lt1"/>
-          </a:fontRef>
-        </p:style>
-        <p:txBody>
-          <a:bodyPr rtlCol="0" anchor="ctr"/>
-          <a:lstStyle/>
-          <a:p>
-            <a:pPr algn="ctr"/>
-            <a:endParaRPr lang="pt-BR"/>
-          </a:p>
-        </p:txBody>
-      </p:sp>
-      <p:sp>
-        <p:nvSpPr>
-          <p:cNvPr id="15" name="Hexágono 14">
-            <a:extLst>
-              <a:ext uri="{FF2B5EF4-FFF2-40B4-BE49-F238E27FC236}">
-                <a16:creationId xmlns:a16="http://schemas.microsoft.com/office/drawing/2014/main" id="{4442B85F-BBF6-4FE8-8A0C-09938B31CAEE}"/>
-              </a:ext>
-            </a:extLst>
-          </p:cNvPr>
-          <p:cNvSpPr/>
-          <p:nvPr/>
-        </p:nvSpPr>
-        <p:spPr>
-          <a:xfrm rot="1602883">
-            <a:off x="773718" y="1858546"/>
-            <a:ext cx="4055217" cy="3600000"/>
-          </a:xfrm>
-          <a:prstGeom prst="hexagon">
-            <a:avLst/>
-          </a:prstGeom>
-          <a:noFill/>
-          <a:ln>
-            <a:solidFill>
-              <a:schemeClr val="accent4"/>
-            </a:solidFill>
-          </a:ln>
-        </p:spPr>
-        <p:style>
-          <a:lnRef idx="2">
-            <a:schemeClr val="accent1">
-              <a:shade val="50000"/>
-            </a:schemeClr>
-          </a:lnRef>
-          <a:fillRef idx="1">
-            <a:schemeClr val="accent1"/>
-          </a:fillRef>
-          <a:effectRef idx="0">
-            <a:schemeClr val="accent1"/>
-          </a:effectRef>
-          <a:fontRef idx="minor">
-            <a:schemeClr val="lt1"/>
-          </a:fontRef>
-        </p:style>
-        <p:txBody>
-          <a:bodyPr rtlCol="0" anchor="ctr"/>
-          <a:lstStyle/>
-          <a:p>
-            <a:pPr algn="ctr"/>
-            <a:endParaRPr lang="pt-BR"/>
-          </a:p>
-        </p:txBody>
-      </p:sp>
       <p:cxnSp>
         <p:nvCxnSpPr>
           <p:cNvPr id="17" name="Conector reto 16">
@@ -5701,7 +5736,7 @@
         </p:nvCxnSpPr>
         <p:spPr>
           <a:xfrm>
-            <a:off x="5681648" y="1570614"/>
+            <a:off x="5830026" y="1709053"/>
             <a:ext cx="0" cy="4224417"/>
           </a:xfrm>
           <a:prstGeom prst="line">
@@ -6468,12 +6503,226 @@
           </a:p>
         </p:txBody>
       </p:sp>
+      <p:sp>
+        <p:nvSpPr>
+          <p:cNvPr id="27" name="Hexágono 26">
+            <a:extLst>
+              <a:ext uri="{FF2B5EF4-FFF2-40B4-BE49-F238E27FC236}">
+                <a16:creationId xmlns:a16="http://schemas.microsoft.com/office/drawing/2014/main" id="{8EB5668B-36DE-455A-8E1C-9BE0798B01A0}"/>
+              </a:ext>
+            </a:extLst>
+          </p:cNvPr>
+          <p:cNvSpPr/>
+          <p:nvPr/>
+        </p:nvSpPr>
+        <p:spPr>
+          <a:xfrm>
+            <a:off x="274012" y="3707994"/>
+            <a:ext cx="2973986" cy="2575371"/>
+          </a:xfrm>
+          <a:prstGeom prst="hexagon">
+            <a:avLst/>
+          </a:prstGeom>
+          <a:solidFill>
+            <a:schemeClr val="accent4">
+              <a:lumMod val="10000"/>
+              <a:lumOff val="90000"/>
+            </a:schemeClr>
+          </a:solidFill>
+          <a:ln>
+            <a:noFill/>
+          </a:ln>
+        </p:spPr>
+        <p:style>
+          <a:lnRef idx="2">
+            <a:schemeClr val="accent1">
+              <a:shade val="50000"/>
+            </a:schemeClr>
+          </a:lnRef>
+          <a:fillRef idx="1">
+            <a:schemeClr val="accent1"/>
+          </a:fillRef>
+          <a:effectRef idx="0">
+            <a:schemeClr val="accent1"/>
+          </a:effectRef>
+          <a:fontRef idx="minor">
+            <a:schemeClr val="lt1"/>
+          </a:fontRef>
+        </p:style>
+        <p:txBody>
+          <a:bodyPr rtlCol="0" anchor="ctr"/>
+          <a:lstStyle/>
+          <a:p>
+            <a:pPr algn="ctr"/>
+            <a:endParaRPr lang="pt-BR" dirty="0"/>
+          </a:p>
+        </p:txBody>
+      </p:sp>
+      <p:sp>
+        <p:nvSpPr>
+          <p:cNvPr id="28" name="Hexágono 27">
+            <a:extLst>
+              <a:ext uri="{FF2B5EF4-FFF2-40B4-BE49-F238E27FC236}">
+                <a16:creationId xmlns:a16="http://schemas.microsoft.com/office/drawing/2014/main" id="{3071668A-D88E-4742-A8D5-F9D3332C1FFA}"/>
+              </a:ext>
+            </a:extLst>
+          </p:cNvPr>
+          <p:cNvSpPr/>
+          <p:nvPr/>
+        </p:nvSpPr>
+        <p:spPr>
+          <a:xfrm rot="1602883">
+            <a:off x="467366" y="3781821"/>
+            <a:ext cx="2814766" cy="2510494"/>
+          </a:xfrm>
+          <a:prstGeom prst="hexagon">
+            <a:avLst/>
+          </a:prstGeom>
+          <a:noFill/>
+          <a:ln>
+            <a:solidFill>
+              <a:schemeClr val="accent4"/>
+            </a:solidFill>
+          </a:ln>
+        </p:spPr>
+        <p:style>
+          <a:lnRef idx="2">
+            <a:schemeClr val="accent1">
+              <a:shade val="50000"/>
+            </a:schemeClr>
+          </a:lnRef>
+          <a:fillRef idx="1">
+            <a:schemeClr val="accent1"/>
+          </a:fillRef>
+          <a:effectRef idx="0">
+            <a:schemeClr val="accent1"/>
+          </a:effectRef>
+          <a:fontRef idx="minor">
+            <a:schemeClr val="lt1"/>
+          </a:fontRef>
+        </p:style>
+        <p:txBody>
+          <a:bodyPr rtlCol="0" anchor="ctr"/>
+          <a:lstStyle/>
+          <a:p>
+            <a:pPr algn="ctr"/>
+            <a:endParaRPr lang="pt-BR"/>
+          </a:p>
+        </p:txBody>
+      </p:sp>
+      <p:sp>
+        <p:nvSpPr>
+          <p:cNvPr id="29" name="Hexágono 28">
+            <a:extLst>
+              <a:ext uri="{FF2B5EF4-FFF2-40B4-BE49-F238E27FC236}">
+                <a16:creationId xmlns:a16="http://schemas.microsoft.com/office/drawing/2014/main" id="{30DD66DF-FF8D-4993-B999-601338AEC71C}"/>
+              </a:ext>
+            </a:extLst>
+          </p:cNvPr>
+          <p:cNvSpPr/>
+          <p:nvPr/>
+        </p:nvSpPr>
+        <p:spPr>
+          <a:xfrm>
+            <a:off x="2557431" y="1210080"/>
+            <a:ext cx="2973986" cy="2575371"/>
+          </a:xfrm>
+          <a:prstGeom prst="hexagon">
+            <a:avLst/>
+          </a:prstGeom>
+          <a:solidFill>
+            <a:schemeClr val="accent4">
+              <a:lumMod val="10000"/>
+              <a:lumOff val="90000"/>
+            </a:schemeClr>
+          </a:solidFill>
+          <a:ln>
+            <a:noFill/>
+          </a:ln>
+        </p:spPr>
+        <p:style>
+          <a:lnRef idx="2">
+            <a:schemeClr val="accent1">
+              <a:shade val="50000"/>
+            </a:schemeClr>
+          </a:lnRef>
+          <a:fillRef idx="1">
+            <a:schemeClr val="accent1"/>
+          </a:fillRef>
+          <a:effectRef idx="0">
+            <a:schemeClr val="accent1"/>
+          </a:effectRef>
+          <a:fontRef idx="minor">
+            <a:schemeClr val="lt1"/>
+          </a:fontRef>
+        </p:style>
+        <p:txBody>
+          <a:bodyPr rtlCol="0" anchor="ctr"/>
+          <a:lstStyle/>
+          <a:p>
+            <a:pPr algn="ctr"/>
+            <a:endParaRPr lang="pt-BR" dirty="0"/>
+          </a:p>
+        </p:txBody>
+      </p:sp>
+      <p:sp>
+        <p:nvSpPr>
+          <p:cNvPr id="30" name="Hexágono 29">
+            <a:extLst>
+              <a:ext uri="{FF2B5EF4-FFF2-40B4-BE49-F238E27FC236}">
+                <a16:creationId xmlns:a16="http://schemas.microsoft.com/office/drawing/2014/main" id="{A35874B6-157C-40BE-AF6F-BACA88286DFC}"/>
+              </a:ext>
+            </a:extLst>
+          </p:cNvPr>
+          <p:cNvSpPr/>
+          <p:nvPr/>
+        </p:nvSpPr>
+        <p:spPr>
+          <a:xfrm rot="1602883">
+            <a:off x="2571040" y="1122531"/>
+            <a:ext cx="2881930" cy="2669557"/>
+          </a:xfrm>
+          <a:prstGeom prst="hexagon">
+            <a:avLst/>
+          </a:prstGeom>
+          <a:noFill/>
+          <a:ln>
+            <a:solidFill>
+              <a:schemeClr val="accent4"/>
+            </a:solidFill>
+          </a:ln>
+        </p:spPr>
+        <p:style>
+          <a:lnRef idx="2">
+            <a:schemeClr val="accent1">
+              <a:shade val="50000"/>
+            </a:schemeClr>
+          </a:lnRef>
+          <a:fillRef idx="1">
+            <a:schemeClr val="accent1"/>
+          </a:fillRef>
+          <a:effectRef idx="0">
+            <a:schemeClr val="accent1"/>
+          </a:effectRef>
+          <a:fontRef idx="minor">
+            <a:schemeClr val="lt1"/>
+          </a:fontRef>
+        </p:style>
+        <p:txBody>
+          <a:bodyPr rtlCol="0" anchor="ctr"/>
+          <a:lstStyle/>
+          <a:p>
+            <a:pPr algn="ctr"/>
+            <a:endParaRPr lang="pt-BR"/>
+          </a:p>
+        </p:txBody>
+      </p:sp>
       <p:pic>
         <p:nvPicPr>
-          <p:cNvPr id="4" name="Imagem 3">
+          <p:cNvPr id="31" name="Imagem 30">
             <a:extLst>
               <a:ext uri="{FF2B5EF4-FFF2-40B4-BE49-F238E27FC236}">
-                <a16:creationId xmlns:a16="http://schemas.microsoft.com/office/drawing/2014/main" id="{2F6630DC-50D9-4626-BBF1-86C8263E4404}"/>
+                <a16:creationId xmlns:a16="http://schemas.microsoft.com/office/drawing/2014/main" id="{64C7E816-EF7C-471C-AE48-2BC46885B21C}"/>
               </a:ext>
             </a:extLst>
           </p:cNvPr>
@@ -6496,8 +6745,44 @@
         </p:blipFill>
         <p:spPr>
           <a:xfrm>
-            <a:off x="1565916" y="2400742"/>
-            <a:ext cx="2470820" cy="2470820"/>
+            <a:off x="2972529" y="1374028"/>
+            <a:ext cx="2143790" cy="2143790"/>
+          </a:xfrm>
+          <a:prstGeom prst="rect">
+            <a:avLst/>
+          </a:prstGeom>
+        </p:spPr>
+      </p:pic>
+      <p:pic>
+        <p:nvPicPr>
+          <p:cNvPr id="16" name="Imagem 15">
+            <a:extLst>
+              <a:ext uri="{FF2B5EF4-FFF2-40B4-BE49-F238E27FC236}">
+                <a16:creationId xmlns:a16="http://schemas.microsoft.com/office/drawing/2014/main" id="{4235208D-20CB-4BCB-96AE-11509B3EFD50}"/>
+              </a:ext>
+            </a:extLst>
+          </p:cNvPr>
+          <p:cNvPicPr>
+            <a:picLocks noChangeAspect="1"/>
+          </p:cNvPicPr>
+          <p:nvPr/>
+        </p:nvPicPr>
+        <p:blipFill>
+          <a:blip r:embed="rId7" cstate="print">
+            <a:extLst>
+              <a:ext uri="{28A0092B-C50C-407E-A947-70E740481C1C}">
+                <a14:useLocalDpi xmlns:a14="http://schemas.microsoft.com/office/drawing/2010/main" val="0"/>
+              </a:ext>
+            </a:extLst>
+          </a:blip>
+          <a:stretch>
+            <a:fillRect/>
+          </a:stretch>
+        </p:blipFill>
+        <p:spPr>
+          <a:xfrm>
+            <a:off x="993779" y="3862908"/>
+            <a:ext cx="1726609" cy="2300707"/>
           </a:xfrm>
           <a:prstGeom prst="rect">
             <a:avLst/>
@@ -7368,7 +7653,7 @@
           <a:p>
             <a:pPr algn="ctr"/>
             <a:r>
-              <a:rPr lang="pt-BR" sz="2000" dirty="0">
+              <a:rPr lang="pt-BR" sz="2000" b="1" dirty="0">
                 <a:solidFill>
                   <a:schemeClr val="bg1"/>
                 </a:solidFill>
@@ -7379,7 +7664,7 @@
           </a:p>
           <a:p>
             <a:pPr algn="ctr"/>
-            <a:endParaRPr lang="pt-BR" sz="2000" dirty="0">
+            <a:endParaRPr lang="pt-BR" sz="2000" b="1" dirty="0">
               <a:solidFill>
                 <a:schemeClr val="bg1"/>
               </a:solidFill>
@@ -7388,7 +7673,7 @@
           </a:p>
           <a:p>
             <a:pPr algn="ctr"/>
-            <a:endParaRPr lang="pt-BR" sz="2000" dirty="0">
+            <a:endParaRPr lang="pt-BR" sz="2000" b="1" dirty="0">
               <a:solidFill>
                 <a:schemeClr val="bg1"/>
               </a:solidFill>
@@ -7398,7 +7683,7 @@
           <a:p>
             <a:pPr algn="ctr"/>
             <a:r>
-              <a:rPr lang="pt-BR" sz="2000" dirty="0">
+              <a:rPr lang="pt-BR" sz="2000" b="1" dirty="0">
                 <a:solidFill>
                   <a:schemeClr val="bg1"/>
                 </a:solidFill>
@@ -7409,7 +7694,7 @@
           </a:p>
           <a:p>
             <a:pPr algn="ctr"/>
-            <a:endParaRPr lang="pt-BR" sz="2000" dirty="0">
+            <a:endParaRPr lang="pt-BR" sz="2000" b="1" dirty="0">
               <a:solidFill>
                 <a:schemeClr val="bg1"/>
               </a:solidFill>
@@ -7418,7 +7703,7 @@
           </a:p>
           <a:p>
             <a:pPr algn="ctr"/>
-            <a:endParaRPr lang="pt-BR" sz="2000" dirty="0">
+            <a:endParaRPr lang="pt-BR" sz="2000" b="1" dirty="0">
               <a:solidFill>
                 <a:schemeClr val="bg1"/>
               </a:solidFill>
@@ -7428,7 +7713,7 @@
           <a:p>
             <a:pPr algn="ctr"/>
             <a:r>
-              <a:rPr lang="pt-BR" sz="2000" dirty="0">
+              <a:rPr lang="pt-BR" sz="2000" b="1" dirty="0">
                 <a:solidFill>
                   <a:schemeClr val="bg1"/>
                 </a:solidFill>
@@ -7439,7 +7724,7 @@
           </a:p>
           <a:p>
             <a:pPr algn="ctr"/>
-            <a:endParaRPr lang="pt-BR" sz="2000" dirty="0">
+            <a:endParaRPr lang="pt-BR" sz="2000" b="1" dirty="0">
               <a:solidFill>
                 <a:schemeClr val="bg1"/>
               </a:solidFill>
@@ -7448,7 +7733,7 @@
           </a:p>
           <a:p>
             <a:pPr algn="ctr"/>
-            <a:endParaRPr lang="pt-BR" sz="2000" dirty="0">
+            <a:endParaRPr lang="pt-BR" sz="2000" b="1" dirty="0">
               <a:solidFill>
                 <a:schemeClr val="bg1"/>
               </a:solidFill>
@@ -7458,7 +7743,7 @@
           <a:p>
             <a:pPr algn="ctr"/>
             <a:r>
-              <a:rPr lang="pt-BR" sz="2000" dirty="0">
+              <a:rPr lang="pt-BR" sz="2000" b="1" dirty="0">
                 <a:solidFill>
                   <a:schemeClr val="bg1"/>
                 </a:solidFill>
@@ -7469,7 +7754,7 @@
           </a:p>
           <a:p>
             <a:pPr algn="ctr"/>
-            <a:endParaRPr lang="pt-BR" sz="2000" dirty="0">
+            <a:endParaRPr lang="pt-BR" sz="2000" b="1" dirty="0">
               <a:solidFill>
                 <a:schemeClr val="bg1"/>
               </a:solidFill>
@@ -7478,7 +7763,7 @@
           </a:p>
           <a:p>
             <a:pPr algn="ctr"/>
-            <a:endParaRPr lang="pt-BR" sz="2000" dirty="0">
+            <a:endParaRPr lang="pt-BR" sz="2000" b="1" dirty="0">
               <a:solidFill>
                 <a:schemeClr val="bg1"/>
               </a:solidFill>
@@ -7488,7 +7773,7 @@
           <a:p>
             <a:pPr algn="ctr"/>
             <a:r>
-              <a:rPr lang="pt-BR" sz="2000" dirty="0">
+              <a:rPr lang="pt-BR" sz="2000" b="1" dirty="0">
                 <a:solidFill>
                   <a:schemeClr val="bg1"/>
                 </a:solidFill>
@@ -8559,7 +8844,7 @@
                 </a:solidFill>
                 <a:latin typeface="Rockwell" panose="02060603020205020403" pitchFamily="18" charset="0"/>
               </a:rPr>
-              <a:t>● Autoconhecimento.</a:t>
+              <a:t>● Manipulação da API.</a:t>
             </a:r>
           </a:p>
         </p:txBody>
@@ -9678,6 +9963,18 @@
                 <a:latin typeface="Rockwell" panose="02060603020205020403" pitchFamily="18" charset="0"/>
               </a:rPr>
               <a:t>● Minha namorada.</a:t>
+            </a:r>
+          </a:p>
+          <a:p>
+            <a:pPr algn="l"/>
+            <a:r>
+              <a:rPr lang="pt-BR" sz="2000" dirty="0">
+                <a:solidFill>
+                  <a:schemeClr val="bg1"/>
+                </a:solidFill>
+                <a:latin typeface="Rockwell" panose="02060603020205020403" pitchFamily="18" charset="0"/>
+              </a:rPr>
+              <a:t>● Meus colegas</a:t>
             </a:r>
           </a:p>
         </p:txBody>
@@ -10517,14 +10814,12 @@
 </file>
 
 <file path=customXml/item1.xml><?xml version="1.0" encoding="utf-8"?>
-<p:properties xmlns:p="http://schemas.microsoft.com/office/2006/metadata/properties" xmlns:xsi="http://www.w3.org/2001/XMLSchema-instance" xmlns:pc="http://schemas.microsoft.com/office/infopath/2007/PartnerControls">
-  <documentManagement>
-    <VSO_x0020_item_x0020_id xmlns="40262f94-9f35-4ac3-9a90-690165a166b7" xsi:nil="true"/>
-    <Assetid_x0020_ xmlns="40262f94-9f35-4ac3-9a90-690165a166b7" xsi:nil="true"/>
-    <Item_x0020_Details xmlns="40262f94-9f35-4ac3-9a90-690165a166b7" xsi:nil="true"/>
-    <Template_x0020_details xmlns="40262f94-9f35-4ac3-9a90-690165a166b7" xsi:nil="true"/>
-  </documentManagement>
-</p:properties>
+<?mso-contentType ?>
+<FormTemplates xmlns="http://schemas.microsoft.com/sharepoint/v3/contenttype/forms">
+  <Display>DocumentLibraryForm</Display>
+  <Edit>DocumentLibraryForm</Edit>
+  <New>DocumentLibraryForm</New>
+</FormTemplates>
 </file>
 
 <file path=customXml/item2.xml><?xml version="1.0" encoding="utf-8"?>
@@ -10709,27 +11004,20 @@
 </file>
 
 <file path=customXml/item3.xml><?xml version="1.0" encoding="utf-8"?>
-<?mso-contentType ?>
-<FormTemplates xmlns="http://schemas.microsoft.com/sharepoint/v3/contenttype/forms">
-  <Display>DocumentLibraryForm</Display>
-  <Edit>DocumentLibraryForm</Edit>
-  <New>DocumentLibraryForm</New>
-</FormTemplates>
+<p:properties xmlns:p="http://schemas.microsoft.com/office/2006/metadata/properties" xmlns:xsi="http://www.w3.org/2001/XMLSchema-instance" xmlns:pc="http://schemas.microsoft.com/office/infopath/2007/PartnerControls">
+  <documentManagement>
+    <VSO_x0020_item_x0020_id xmlns="40262f94-9f35-4ac3-9a90-690165a166b7" xsi:nil="true"/>
+    <Assetid_x0020_ xmlns="40262f94-9f35-4ac3-9a90-690165a166b7" xsi:nil="true"/>
+    <Item_x0020_Details xmlns="40262f94-9f35-4ac3-9a90-690165a166b7" xsi:nil="true"/>
+    <Template_x0020_details xmlns="40262f94-9f35-4ac3-9a90-690165a166b7" xsi:nil="true"/>
+  </documentManagement>
+</p:properties>
 </file>
 
 <file path=customXml/itemProps1.xml><?xml version="1.0" encoding="utf-8"?>
-<ds:datastoreItem xmlns:ds="http://schemas.openxmlformats.org/officeDocument/2006/customXml" ds:itemID="{91DDEFBA-1D7E-4587-9763-EBF5A6740E9A}">
+<ds:datastoreItem xmlns:ds="http://schemas.openxmlformats.org/officeDocument/2006/customXml" ds:itemID="{48E42578-9CD4-4AFF-AA5E-F33052F6B6A6}">
   <ds:schemaRefs>
-    <ds:schemaRef ds:uri="http://schemas.microsoft.com/office/2006/documentManagement/types"/>
-    <ds:schemaRef ds:uri="http://schemas.microsoft.com/office/2006/metadata/properties"/>
-    <ds:schemaRef ds:uri="http://purl.org/dc/terms/"/>
-    <ds:schemaRef ds:uri="http://schemas.openxmlformats.org/package/2006/metadata/core-properties"/>
-    <ds:schemaRef ds:uri="http://purl.org/dc/dcmitype/"/>
-    <ds:schemaRef ds:uri="http://schemas.microsoft.com/office/infopath/2007/PartnerControls"/>
-    <ds:schemaRef ds:uri="40262f94-9f35-4ac3-9a90-690165a166b7"/>
-    <ds:schemaRef ds:uri="a4f35948-e619-41b3-aa29-22878b09cfd2"/>
-    <ds:schemaRef ds:uri="http://www.w3.org/XML/1998/namespace"/>
-    <ds:schemaRef ds:uri="http://purl.org/dc/elements/1.1/"/>
+    <ds:schemaRef ds:uri="http://schemas.microsoft.com/sharepoint/v3/contenttype/forms"/>
   </ds:schemaRefs>
 </ds:datastoreItem>
 </file>
@@ -10754,9 +11042,18 @@
 </file>
 
 <file path=customXml/itemProps3.xml><?xml version="1.0" encoding="utf-8"?>
-<ds:datastoreItem xmlns:ds="http://schemas.openxmlformats.org/officeDocument/2006/customXml" ds:itemID="{48E42578-9CD4-4AFF-AA5E-F33052F6B6A6}">
+<ds:datastoreItem xmlns:ds="http://schemas.openxmlformats.org/officeDocument/2006/customXml" ds:itemID="{91DDEFBA-1D7E-4587-9763-EBF5A6740E9A}">
   <ds:schemaRefs>
-    <ds:schemaRef ds:uri="http://schemas.microsoft.com/sharepoint/v3/contenttype/forms"/>
+    <ds:schemaRef ds:uri="http://schemas.microsoft.com/office/2006/documentManagement/types"/>
+    <ds:schemaRef ds:uri="http://schemas.microsoft.com/office/2006/metadata/properties"/>
+    <ds:schemaRef ds:uri="http://purl.org/dc/terms/"/>
+    <ds:schemaRef ds:uri="http://schemas.openxmlformats.org/package/2006/metadata/core-properties"/>
+    <ds:schemaRef ds:uri="http://purl.org/dc/dcmitype/"/>
+    <ds:schemaRef ds:uri="http://schemas.microsoft.com/office/infopath/2007/PartnerControls"/>
+    <ds:schemaRef ds:uri="40262f94-9f35-4ac3-9a90-690165a166b7"/>
+    <ds:schemaRef ds:uri="a4f35948-e619-41b3-aa29-22878b09cfd2"/>
+    <ds:schemaRef ds:uri="http://www.w3.org/XML/1998/namespace"/>
+    <ds:schemaRef ds:uri="http://purl.org/dc/elements/1.1/"/>
   </ds:schemaRefs>
 </ds:datastoreItem>
 </file>